--- a/PPT/第三部分 软件测试应用/7 单元测试.pptx
+++ b/PPT/第三部分 软件测试应用/7 单元测试.pptx
@@ -569,7 +569,7 @@
         <p:nvSpPr>
           <p:cNvPr id="73732" name="Rectangle 4"/>
           <p:cNvSpPr>
-            <a:spLocks noRot="1" noChangeArrowheads="1" noTextEdit="1"/>
+            <a:spLocks noGrp="1" noRot="1" noChangeAspect="1" noChangeArrowheads="1" noTextEdit="1"/>
           </p:cNvSpPr>
           <p:nvPr>
             <p:ph type="sldImg" idx="2"/>
@@ -5091,6 +5091,13 @@
     <a:masterClrMapping/>
   </p:clrMapOvr>
   <p:transition/>
+  <p:timing>
+    <p:tnLst>
+      <p:par>
+        <p:cTn id="1" dur="indefinite" restart="never" nodeType="tmRoot"/>
+      </p:par>
+    </p:tnLst>
+  </p:timing>
 </p:sld>
 </file>
 
@@ -5406,13 +5413,7 @@
               <a:rPr lang="zh-CN" sz="2200" b="1" dirty="0" smtClean="0">
                 <a:cs typeface="+mn-cs"/>
               </a:rPr>
-              <a:t>是否存在迭代发散，导致不能退出</a:t>
-            </a:r>
-            <a:r>
-              <a:rPr lang="zh-CN" sz="2200" b="1" dirty="0" smtClean="0">
-                <a:cs typeface="+mn-cs"/>
-              </a:rPr>
-              <a:t>；</a:t>
+              <a:t>是否存在迭代发散，导致不能退出；</a:t>
             </a:r>
             <a:endParaRPr lang="en-US" altLang="zh-CN" sz="2200" b="1" dirty="0" smtClean="0">
               <a:cs typeface="+mn-cs"/>
@@ -5426,13 +5427,7 @@
               <a:rPr lang="zh-CN" sz="2200" b="1" dirty="0" smtClean="0">
                 <a:cs typeface="+mn-cs"/>
               </a:rPr>
-              <a:t>是否</a:t>
-            </a:r>
-            <a:r>
-              <a:rPr lang="zh-CN" sz="2200" b="1" dirty="0" smtClean="0">
-                <a:cs typeface="+mn-cs"/>
-              </a:rPr>
-              <a:t>错误修改了循环变量，导致循环次数多</a:t>
+              <a:t>是否错误修改了循环变量，导致循环次数多</a:t>
             </a:r>
             <a:r>
               <a:rPr lang="en-US" altLang="zh-CN" sz="2200" b="1" dirty="0" smtClean="0">
@@ -5490,6 +5485,13 @@
     <a:masterClrMapping/>
   </p:clrMapOvr>
   <p:transition/>
+  <p:timing>
+    <p:tnLst>
+      <p:par>
+        <p:cTn id="1" dur="indefinite" restart="never" nodeType="tmRoot"/>
+      </p:par>
+    </p:tnLst>
+  </p:timing>
 </p:sld>
 </file>
 
@@ -5755,11 +5757,7 @@
             <a:pPr lvl="1"/>
             <a:r>
               <a:rPr lang="zh-CN" sz="2400" b="1" dirty="0" smtClean="0"/>
-              <a:t>是否存在无法按预先自定义的出错处理方式来处理的</a:t>
-            </a:r>
-            <a:r>
-              <a:rPr lang="zh-CN" sz="2400" b="1" dirty="0" smtClean="0"/>
-              <a:t>情况</a:t>
+              <a:t>是否存在无法按预先自定义的出错处理方式来处理的情况</a:t>
             </a:r>
             <a:endParaRPr lang="en-US" altLang="zh-CN" sz="2400" b="1" dirty="0" smtClean="0"/>
           </a:p>
@@ -5773,23 +5771,7 @@
                   <a:srgbClr val="FF0000"/>
                 </a:solidFill>
               </a:rPr>
-              <a:t>注</a:t>
-            </a:r>
-            <a:r>
-              <a:rPr lang="zh-CN" altLang="en-US" b="1" dirty="0">
-                <a:solidFill>
-                  <a:srgbClr val="FF0000"/>
-                </a:solidFill>
-              </a:rPr>
-              <a:t>：</a:t>
-            </a:r>
-            <a:r>
-              <a:rPr lang="zh-CN" altLang="en-US" b="1" dirty="0">
-                <a:solidFill>
-                  <a:srgbClr val="FF0000"/>
-                </a:solidFill>
-              </a:rPr>
-              <a:t>主要关注程序的逻辑分支问题。</a:t>
+              <a:t>注：主要关注程序的逻辑分支问题。</a:t>
             </a:r>
           </a:p>
           <a:p>
@@ -5806,6 +5788,13 @@
     <a:masterClrMapping/>
   </p:clrMapOvr>
   <p:transition/>
+  <p:timing>
+    <p:tnLst>
+      <p:par>
+        <p:cTn id="1" dur="indefinite" restart="never" nodeType="tmRoot"/>
+      </p:par>
+    </p:tnLst>
+  </p:timing>
 </p:sld>
 </file>
 
@@ -6065,6 +6054,13 @@
     <a:masterClrMapping/>
   </p:clrMapOvr>
   <p:transition/>
+  <p:timing>
+    <p:tnLst>
+      <p:par>
+        <p:cTn id="1" dur="indefinite" restart="never" nodeType="tmRoot"/>
+      </p:par>
+    </p:tnLst>
+  </p:timing>
 </p:sld>
 </file>
 
@@ -6354,6 +6350,13 @@
     <a:masterClrMapping/>
   </p:clrMapOvr>
   <p:transition/>
+  <p:timing>
+    <p:tnLst>
+      <p:par>
+        <p:cTn id="1" dur="indefinite" restart="never" nodeType="tmRoot"/>
+      </p:par>
+    </p:tnLst>
+  </p:timing>
 </p:sld>
 </file>
 
@@ -6645,6 +6648,13 @@
     <a:masterClrMapping/>
   </p:clrMapOvr>
   <p:transition/>
+  <p:timing>
+    <p:tnLst>
+      <p:par>
+        <p:cTn id="1" dur="indefinite" restart="never" nodeType="tmRoot"/>
+      </p:par>
+    </p:tnLst>
+  </p:timing>
 </p:sld>
 </file>
 
@@ -6912,6 +6922,13 @@
     <a:masterClrMapping/>
   </p:clrMapOvr>
   <p:transition/>
+  <p:timing>
+    <p:tnLst>
+      <p:par>
+        <p:cTn id="1" dur="indefinite" restart="never" nodeType="tmRoot"/>
+      </p:par>
+    </p:tnLst>
+  </p:timing>
 </p:sld>
 </file>
 
@@ -7191,6 +7208,13 @@
     <a:masterClrMapping/>
   </p:clrMapOvr>
   <p:transition/>
+  <p:timing>
+    <p:tnLst>
+      <p:par>
+        <p:cTn id="1" dur="indefinite" restart="never" nodeType="tmRoot"/>
+      </p:par>
+    </p:tnLst>
+  </p:timing>
 </p:sld>
 </file>
 
@@ -7450,6 +7474,13 @@
     <a:masterClrMapping/>
   </p:clrMapOvr>
   <p:transition/>
+  <p:timing>
+    <p:tnLst>
+      <p:par>
+        <p:cTn id="1" dur="indefinite" restart="never" nodeType="tmRoot"/>
+      </p:par>
+    </p:tnLst>
+  </p:timing>
 </p:sld>
 </file>
 
@@ -7717,6 +7748,13 @@
     <a:masterClrMapping/>
   </p:clrMapOvr>
   <p:transition/>
+  <p:timing>
+    <p:tnLst>
+      <p:par>
+        <p:cTn id="1" dur="indefinite" restart="never" nodeType="tmRoot"/>
+      </p:par>
+    </p:tnLst>
+  </p:timing>
 </p:sld>
 </file>
 
@@ -7984,6 +8022,13 @@
     <a:masterClrMapping/>
   </p:clrMapOvr>
   <p:transition/>
+  <p:timing>
+    <p:tnLst>
+      <p:par>
+        <p:cTn id="1" dur="indefinite" restart="never" nodeType="tmRoot"/>
+      </p:par>
+    </p:tnLst>
+  </p:timing>
 </p:sld>
 </file>
 
@@ -8241,6 +8286,13 @@
     <a:masterClrMapping/>
   </p:clrMapOvr>
   <p:transition/>
+  <p:timing>
+    <p:tnLst>
+      <p:par>
+        <p:cTn id="1" dur="indefinite" restart="never" nodeType="tmRoot"/>
+      </p:par>
+    </p:tnLst>
+  </p:timing>
 </p:sld>
 </file>
 
@@ -8504,6 +8556,13 @@
     <a:masterClrMapping/>
   </p:clrMapOvr>
   <p:transition/>
+  <p:timing>
+    <p:tnLst>
+      <p:par>
+        <p:cTn id="1" dur="indefinite" restart="never" nodeType="tmRoot"/>
+      </p:par>
+    </p:tnLst>
+  </p:timing>
 </p:sld>
 </file>
 
@@ -8771,6 +8830,13 @@
     <a:masterClrMapping/>
   </p:clrMapOvr>
   <p:transition/>
+  <p:timing>
+    <p:tnLst>
+      <p:par>
+        <p:cTn id="1" dur="indefinite" restart="never" nodeType="tmRoot"/>
+      </p:par>
+    </p:tnLst>
+  </p:timing>
 </p:sld>
 </file>
 
@@ -9131,6 +9197,13 @@
     <a:masterClrMapping/>
   </p:clrMapOvr>
   <p:transition/>
+  <p:timing>
+    <p:tnLst>
+      <p:par>
+        <p:cTn id="1" dur="indefinite" restart="never" nodeType="tmRoot"/>
+      </p:par>
+    </p:tnLst>
+  </p:timing>
 </p:sld>
 </file>
 
@@ -9755,6 +9828,13 @@
     <a:masterClrMapping/>
   </p:clrMapOvr>
   <p:transition/>
+  <p:timing>
+    <p:tnLst>
+      <p:par>
+        <p:cTn id="1" dur="indefinite" restart="never" nodeType="tmRoot"/>
+      </p:par>
+    </p:tnLst>
+  </p:timing>
 </p:sld>
 </file>
 
@@ -10073,6 +10153,13 @@
     <a:masterClrMapping/>
   </p:clrMapOvr>
   <p:transition/>
+  <p:timing>
+    <p:tnLst>
+      <p:par>
+        <p:cTn id="1" dur="indefinite" restart="never" nodeType="tmRoot"/>
+      </p:par>
+    </p:tnLst>
+  </p:timing>
 </p:sld>
 </file>
 
@@ -10373,6 +10460,13 @@
     <a:masterClrMapping/>
   </p:clrMapOvr>
   <p:transition/>
+  <p:timing>
+    <p:tnLst>
+      <p:par>
+        <p:cTn id="1" dur="indefinite" restart="never" nodeType="tmRoot"/>
+      </p:par>
+    </p:tnLst>
+  </p:timing>
 </p:sld>
 </file>
 
@@ -10673,6 +10767,13 @@
     <a:masterClrMapping/>
   </p:clrMapOvr>
   <p:transition/>
+  <p:timing>
+    <p:tnLst>
+      <p:par>
+        <p:cTn id="1" dur="indefinite" restart="never" nodeType="tmRoot"/>
+      </p:par>
+    </p:tnLst>
+  </p:timing>
 </p:sld>
 </file>
 
@@ -11090,6 +11191,13 @@
     <a:masterClrMapping/>
   </p:clrMapOvr>
   <p:transition/>
+  <p:timing>
+    <p:tnLst>
+      <p:par>
+        <p:cTn id="1" dur="indefinite" restart="never" nodeType="tmRoot"/>
+      </p:par>
+    </p:tnLst>
+  </p:timing>
 </p:sld>
 </file>
 
@@ -11444,6 +11552,13 @@
     <a:masterClrMapping/>
   </p:clrMapOvr>
   <p:transition/>
+  <p:timing>
+    <p:tnLst>
+      <p:par>
+        <p:cTn id="1" dur="indefinite" restart="never" nodeType="tmRoot"/>
+      </p:par>
+    </p:tnLst>
+  </p:timing>
 </p:sld>
 </file>
 
@@ -11756,6 +11871,13 @@
     <a:masterClrMapping/>
   </p:clrMapOvr>
   <p:transition/>
+  <p:timing>
+    <p:tnLst>
+      <p:par>
+        <p:cTn id="1" dur="indefinite" restart="never" nodeType="tmRoot"/>
+      </p:par>
+    </p:tnLst>
+  </p:timing>
 </p:sld>
 </file>
 
@@ -12010,11 +12132,7 @@
             <a:pPr lvl="1" eaLnBrk="1" hangingPunct="1"/>
             <a:r>
               <a:rPr lang="zh-CN" altLang="en-US" sz="3100" b="1" dirty="0" smtClean="0"/>
-              <a:t>日</a:t>
-            </a:r>
-            <a:r>
-              <a:rPr lang="zh-CN" altLang="en-US" sz="3100" b="1" dirty="0" smtClean="0"/>
-              <a:t>构建</a:t>
+              <a:t>日构建</a:t>
             </a:r>
             <a:endParaRPr lang="en-US" altLang="zh-CN" sz="3100" b="1" dirty="0" smtClean="0"/>
           </a:p>
@@ -12026,6 +12144,13 @@
     <a:masterClrMapping/>
   </p:clrMapOvr>
   <p:transition/>
+  <p:timing>
+    <p:tnLst>
+      <p:par>
+        <p:cTn id="1" dur="indefinite" restart="never" nodeType="tmRoot"/>
+      </p:par>
+    </p:tnLst>
+  </p:timing>
 </p:sld>
 </file>
 
@@ -12310,6 +12435,13 @@
     <a:masterClrMapping/>
   </p:clrMapOvr>
   <p:transition/>
+  <p:timing>
+    <p:tnLst>
+      <p:par>
+        <p:cTn id="1" dur="indefinite" restart="never" nodeType="tmRoot"/>
+      </p:par>
+    </p:tnLst>
+  </p:timing>
 </p:sld>
 </file>
 
@@ -12613,6 +12745,13 @@
     <a:masterClrMapping/>
   </p:clrMapOvr>
   <p:transition/>
+  <p:timing>
+    <p:tnLst>
+      <p:par>
+        <p:cTn id="1" dur="indefinite" restart="never" nodeType="tmRoot"/>
+      </p:par>
+    </p:tnLst>
+  </p:timing>
 </p:sld>
 </file>
 
@@ -12903,6 +13042,13 @@
     <a:masterClrMapping/>
   </p:clrMapOvr>
   <p:transition/>
+  <p:timing>
+    <p:tnLst>
+      <p:par>
+        <p:cTn id="1" dur="indefinite" restart="never" nodeType="tmRoot"/>
+      </p:par>
+    </p:tnLst>
+  </p:timing>
 </p:sld>
 </file>
 
@@ -13178,6 +13324,13 @@
     <a:masterClrMapping/>
   </p:clrMapOvr>
   <p:transition/>
+  <p:timing>
+    <p:tnLst>
+      <p:par>
+        <p:cTn id="1" dur="indefinite" restart="never" nodeType="tmRoot"/>
+      </p:par>
+    </p:tnLst>
+  </p:timing>
 </p:sld>
 </file>
 
@@ -13446,6 +13599,13 @@
     <a:masterClrMapping/>
   </p:clrMapOvr>
   <p:transition/>
+  <p:timing>
+    <p:tnLst>
+      <p:par>
+        <p:cTn id="1" dur="indefinite" restart="never" nodeType="tmRoot"/>
+      </p:par>
+    </p:tnLst>
+  </p:timing>
 </p:sld>
 </file>
 
@@ -13705,6 +13865,13 @@
     <a:masterClrMapping/>
   </p:clrMapOvr>
   <p:transition/>
+  <p:timing>
+    <p:tnLst>
+      <p:par>
+        <p:cTn id="1" dur="indefinite" restart="never" nodeType="tmRoot"/>
+      </p:par>
+    </p:tnLst>
+  </p:timing>
 </p:sld>
 </file>
 
@@ -13972,6 +14139,13 @@
     <a:masterClrMapping/>
   </p:clrMapOvr>
   <p:transition/>
+  <p:timing>
+    <p:tnLst>
+      <p:par>
+        <p:cTn id="1" dur="indefinite" restart="never" nodeType="tmRoot"/>
+      </p:par>
+    </p:tnLst>
+  </p:timing>
 </p:sld>
 </file>
 
@@ -14296,6 +14470,13 @@
     <a:masterClrMapping/>
   </p:clrMapOvr>
   <p:transition/>
+  <p:timing>
+    <p:tnLst>
+      <p:par>
+        <p:cTn id="1" dur="indefinite" restart="never" nodeType="tmRoot"/>
+      </p:par>
+    </p:tnLst>
+  </p:timing>
 </p:sld>
 </file>
 
@@ -14572,6 +14753,13 @@
     <a:masterClrMapping/>
   </p:clrMapOvr>
   <p:transition/>
+  <p:timing>
+    <p:tnLst>
+      <p:par>
+        <p:cTn id="1" dur="indefinite" restart="never" nodeType="tmRoot"/>
+      </p:par>
+    </p:tnLst>
+  </p:timing>
 </p:sld>
 </file>
 
@@ -14884,6 +15072,13 @@
     <a:masterClrMapping/>
   </p:clrMapOvr>
   <p:transition/>
+  <p:timing>
+    <p:tnLst>
+      <p:par>
+        <p:cTn id="1" dur="indefinite" restart="never" nodeType="tmRoot"/>
+      </p:par>
+    </p:tnLst>
+  </p:timing>
 </p:sld>
 </file>
 
@@ -15136,6 +15331,13 @@
     <a:masterClrMapping/>
   </p:clrMapOvr>
   <p:transition/>
+  <p:timing>
+    <p:tnLst>
+      <p:par>
+        <p:cTn id="1" dur="indefinite" restart="never" nodeType="tmRoot"/>
+      </p:par>
+    </p:tnLst>
+  </p:timing>
 </p:sld>
 </file>
 
@@ -15879,6 +16081,13 @@
     <a:masterClrMapping/>
   </p:clrMapOvr>
   <p:transition/>
+  <p:timing>
+    <p:tnLst>
+      <p:par>
+        <p:cTn id="1" dur="indefinite" restart="never" nodeType="tmRoot"/>
+      </p:par>
+    </p:tnLst>
+  </p:timing>
 </p:sld>
 </file>
 
@@ -16218,6 +16427,13 @@
     <a:masterClrMapping/>
   </p:clrMapOvr>
   <p:transition/>
+  <p:timing>
+    <p:tnLst>
+      <p:par>
+        <p:cTn id="1" dur="indefinite" restart="never" nodeType="tmRoot"/>
+      </p:par>
+    </p:tnLst>
+  </p:timing>
 </p:sld>
 </file>
 
@@ -16477,6 +16693,13 @@
     <a:masterClrMapping/>
   </p:clrMapOvr>
   <p:transition/>
+  <p:timing>
+    <p:tnLst>
+      <p:par>
+        <p:cTn id="1" dur="indefinite" restart="never" nodeType="tmRoot"/>
+      </p:par>
+    </p:tnLst>
+  </p:timing>
 </p:sld>
 </file>
 
@@ -16764,6 +16987,13 @@
     <a:masterClrMapping/>
   </p:clrMapOvr>
   <p:transition/>
+  <p:timing>
+    <p:tnLst>
+      <p:par>
+        <p:cTn id="1" dur="indefinite" restart="never" nodeType="tmRoot"/>
+      </p:par>
+    </p:tnLst>
+  </p:timing>
 </p:sld>
 </file>
 
@@ -17059,6 +17289,13 @@
     <a:masterClrMapping/>
   </p:clrMapOvr>
   <p:transition/>
+  <p:timing>
+    <p:tnLst>
+      <p:par>
+        <p:cTn id="1" dur="indefinite" restart="never" nodeType="tmRoot"/>
+      </p:par>
+    </p:tnLst>
+  </p:timing>
 </p:sld>
 </file>
 
@@ -17329,6 +17566,13 @@
     <a:masterClrMapping/>
   </p:clrMapOvr>
   <p:transition/>
+  <p:timing>
+    <p:tnLst>
+      <p:par>
+        <p:cTn id="1" dur="indefinite" restart="never" nodeType="tmRoot"/>
+      </p:par>
+    </p:tnLst>
+  </p:timing>
 </p:sld>
 </file>
 
@@ -17604,6 +17848,13 @@
     <a:masterClrMapping/>
   </p:clrMapOvr>
   <p:transition/>
+  <p:timing>
+    <p:tnLst>
+      <p:par>
+        <p:cTn id="1" dur="indefinite" restart="never" nodeType="tmRoot"/>
+      </p:par>
+    </p:tnLst>
+  </p:timing>
 </p:sld>
 </file>
 
@@ -17863,6 +18114,13 @@
     <a:masterClrMapping/>
   </p:clrMapOvr>
   <p:transition/>
+  <p:timing>
+    <p:tnLst>
+      <p:par>
+        <p:cTn id="1" dur="indefinite" restart="never" nodeType="tmRoot"/>
+      </p:par>
+    </p:tnLst>
+  </p:timing>
 </p:sld>
 </file>
 
@@ -18122,6 +18380,13 @@
     <a:masterClrMapping/>
   </p:clrMapOvr>
   <p:transition/>
+  <p:timing>
+    <p:tnLst>
+      <p:par>
+        <p:cTn id="1" dur="indefinite" restart="never" nodeType="tmRoot"/>
+      </p:par>
+    </p:tnLst>
+  </p:timing>
 </p:sld>
 </file>
 
@@ -18379,6 +18644,13 @@
     <a:masterClrMapping/>
   </p:clrMapOvr>
   <p:transition/>
+  <p:timing>
+    <p:tnLst>
+      <p:par>
+        <p:cTn id="1" dur="indefinite" restart="never" nodeType="tmRoot"/>
+      </p:par>
+    </p:tnLst>
+  </p:timing>
 </p:sld>
 </file>
 
@@ -18639,6 +18911,13 @@
     <a:masterClrMapping/>
   </p:clrMapOvr>
   <p:transition/>
+  <p:timing>
+    <p:tnLst>
+      <p:par>
+        <p:cTn id="1" dur="indefinite" restart="never" nodeType="tmRoot"/>
+      </p:par>
+    </p:tnLst>
+  </p:timing>
 </p:sld>
 </file>
 
@@ -18931,6 +19210,13 @@
     <a:masterClrMapping/>
   </p:clrMapOvr>
   <p:transition/>
+  <p:timing>
+    <p:tnLst>
+      <p:par>
+        <p:cTn id="1" dur="indefinite" restart="never" nodeType="tmRoot"/>
+      </p:par>
+    </p:tnLst>
+  </p:timing>
 </p:sld>
 </file>
 
@@ -19182,6 +19468,13 @@
     <a:masterClrMapping/>
   </p:clrMapOvr>
   <p:transition/>
+  <p:timing>
+    <p:tnLst>
+      <p:par>
+        <p:cTn id="1" dur="indefinite" restart="never" nodeType="tmRoot"/>
+      </p:par>
+    </p:tnLst>
+  </p:timing>
 </p:sld>
 </file>
 
@@ -19433,6 +19726,13 @@
     <a:masterClrMapping/>
   </p:clrMapOvr>
   <p:transition/>
+  <p:timing>
+    <p:tnLst>
+      <p:par>
+        <p:cTn id="1" dur="indefinite" restart="never" nodeType="tmRoot"/>
+      </p:par>
+    </p:tnLst>
+  </p:timing>
 </p:sld>
 </file>
 
@@ -19684,6 +19984,13 @@
     <a:masterClrMapping/>
   </p:clrMapOvr>
   <p:transition/>
+  <p:timing>
+    <p:tnLst>
+      <p:par>
+        <p:cTn id="1" dur="indefinite" restart="never" nodeType="tmRoot"/>
+      </p:par>
+    </p:tnLst>
+  </p:timing>
 </p:sld>
 </file>
 
@@ -19935,6 +20242,13 @@
     <a:masterClrMapping/>
   </p:clrMapOvr>
   <p:transition/>
+  <p:timing>
+    <p:tnLst>
+      <p:par>
+        <p:cTn id="1" dur="indefinite" restart="never" nodeType="tmRoot"/>
+      </p:par>
+    </p:tnLst>
+  </p:timing>
 </p:sld>
 </file>
 
@@ -20158,38 +20472,62 @@
           <a:p>
             <a:pPr eaLnBrk="1" hangingPunct="1"/>
             <a:r>
-              <a:rPr lang="zh-CN" altLang="en-US" sz="3400" b="1" smtClean="0"/>
+              <a:rPr lang="zh-CN" altLang="en-US" sz="3400" b="1" dirty="0" smtClean="0"/>
               <a:t>过程</a:t>
             </a:r>
-            <a:endParaRPr lang="en-US" altLang="zh-CN" sz="3400" b="1" smtClean="0"/>
+            <a:endParaRPr lang="en-US" altLang="zh-CN" sz="3400" b="1" dirty="0" smtClean="0"/>
           </a:p>
           <a:p>
             <a:pPr lvl="1"/>
             <a:r>
-              <a:rPr lang="zh-CN" altLang="en-US" b="1" smtClean="0"/>
+              <a:rPr lang="zh-CN" altLang="en-US" b="1" dirty="0" smtClean="0"/>
               <a:t>安装在构建服务器上的自动化构建脚本从</a:t>
             </a:r>
             <a:r>
-              <a:rPr lang="en-US" altLang="en-US" b="1" smtClean="0"/>
+              <a:rPr lang="en-US" altLang="en-US" b="1" dirty="0" smtClean="0"/>
               <a:t>CVS</a:t>
             </a:r>
             <a:r>
-              <a:rPr lang="zh-CN" altLang="en-US" b="1" smtClean="0"/>
-              <a:t>服务器下载导出完整最新源代码，并进行编译链接</a:t>
+              <a:rPr lang="zh-CN" altLang="en-US" b="1" dirty="0" smtClean="0"/>
+              <a:t>（</a:t>
+            </a:r>
+            <a:r>
+              <a:rPr lang="en-US" altLang="zh-CN" b="1" dirty="0" err="1" smtClean="0"/>
+              <a:t>SVN</a:t>
+            </a:r>
+            <a:r>
+              <a:rPr lang="zh-CN" altLang="en-US" b="1" dirty="0" smtClean="0"/>
+              <a:t>，</a:t>
+            </a:r>
+            <a:r>
+              <a:rPr lang="en-US" altLang="zh-CN" b="1" dirty="0" err="1" smtClean="0"/>
+              <a:t>GitHub</a:t>
+            </a:r>
+            <a:r>
+              <a:rPr lang="zh-CN" altLang="en-US" b="1" dirty="0" smtClean="0"/>
+              <a:t>）</a:t>
+            </a:r>
+            <a:r>
+              <a:rPr lang="zh-CN" altLang="en-US" b="1" dirty="0" smtClean="0"/>
+              <a:t>服务器</a:t>
+            </a:r>
+            <a:r>
+              <a:rPr lang="zh-CN" altLang="en-US" b="1" dirty="0" smtClean="0"/>
+              <a:t>下载导出完整最新源代码，并进行编译链接</a:t>
             </a:r>
           </a:p>
           <a:p>
             <a:pPr lvl="1"/>
             <a:r>
-              <a:rPr lang="zh-CN" altLang="en-US" b="1" smtClean="0"/>
+              <a:rPr lang="zh-CN" altLang="en-US" b="1" dirty="0" smtClean="0"/>
               <a:t>如果可以运行并能执行最基本的功能，构建服务器就会将程序打包成安装文件，并上传到整个团队均可访问的</a:t>
             </a:r>
             <a:r>
-              <a:rPr lang="en-US" altLang="en-US" b="1" smtClean="0"/>
+              <a:rPr lang="en-US" altLang="en-US" b="1" dirty="0" smtClean="0"/>
               <a:t>Web</a:t>
             </a:r>
             <a:r>
-              <a:rPr lang="zh-CN" altLang="en-US" b="1" smtClean="0"/>
+              <a:rPr lang="zh-CN" altLang="en-US" b="1" dirty="0" smtClean="0"/>
               <a:t>服务器上</a:t>
             </a:r>
           </a:p>
@@ -20201,6 +20539,13 @@
     <a:masterClrMapping/>
   </p:clrMapOvr>
   <p:transition/>
+  <p:timing>
+    <p:tnLst>
+      <p:par>
+        <p:cTn id="1" dur="indefinite" restart="never" nodeType="tmRoot"/>
+      </p:par>
+    </p:tnLst>
+  </p:timing>
 </p:sld>
 </file>
 
@@ -20502,6 +20847,13 @@
     <a:masterClrMapping/>
   </p:clrMapOvr>
   <p:transition/>
+  <p:timing>
+    <p:tnLst>
+      <p:par>
+        <p:cTn id="1" dur="indefinite" restart="never" nodeType="tmRoot"/>
+      </p:par>
+    </p:tnLst>
+  </p:timing>
 </p:sld>
 </file>
 
@@ -20769,6 +21121,13 @@
     <a:masterClrMapping/>
   </p:clrMapOvr>
   <p:transition/>
+  <p:timing>
+    <p:tnLst>
+      <p:par>
+        <p:cTn id="1" dur="indefinite" restart="never" nodeType="tmRoot"/>
+      </p:par>
+    </p:tnLst>
+  </p:timing>
 </p:sld>
 </file>
 
@@ -21040,6 +21399,13 @@
     <a:masterClrMapping/>
   </p:clrMapOvr>
   <p:transition/>
+  <p:timing>
+    <p:tnLst>
+      <p:par>
+        <p:cTn id="1" dur="indefinite" restart="never" nodeType="tmRoot"/>
+      </p:par>
+    </p:tnLst>
+  </p:timing>
 </p:sld>
 </file>
 
@@ -21283,6 +21649,13 @@
     <a:masterClrMapping/>
   </p:clrMapOvr>
   <p:transition/>
+  <p:timing>
+    <p:tnLst>
+      <p:par>
+        <p:cTn id="1" dur="indefinite" restart="never" nodeType="tmRoot"/>
+      </p:par>
+    </p:tnLst>
+  </p:timing>
 </p:sld>
 </file>
 
@@ -21563,6 +21936,13 @@
     <a:masterClrMapping/>
   </p:clrMapOvr>
   <p:transition/>
+  <p:timing>
+    <p:tnLst>
+      <p:par>
+        <p:cTn id="1" dur="indefinite" restart="never" nodeType="tmRoot"/>
+      </p:par>
+    </p:tnLst>
+  </p:timing>
 </p:sld>
 </file>
 
@@ -21593,38 +21973,24 @@
             <p:ph type="title"/>
           </p:nvPr>
         </p:nvSpPr>
-        <p:spPr/>
+        <p:spPr>
+          <a:xfrm>
+            <a:off x="251520" y="3212976"/>
+            <a:ext cx="8001000" cy="1216025"/>
+          </a:xfrm>
+        </p:spPr>
         <p:txBody>
           <a:bodyPr/>
           <a:lstStyle/>
           <a:p>
             <a:pPr algn="ctr"/>
             <a:r>
-              <a:rPr lang="zh-CN" altLang="en-US" b="1" smtClean="0">
+              <a:rPr lang="zh-CN" altLang="en-US" b="1" dirty="0" smtClean="0">
                 <a:latin typeface="黑体" pitchFamily="2" charset="-122"/>
                 <a:ea typeface="黑体" pitchFamily="2" charset="-122"/>
               </a:rPr>
               <a:t>谢 谢</a:t>
             </a:r>
-          </a:p>
-        </p:txBody>
-      </p:sp>
-      <p:sp>
-        <p:nvSpPr>
-          <p:cNvPr id="72707" name="内容占位符 2"/>
-          <p:cNvSpPr>
-            <a:spLocks noGrp="1"/>
-          </p:cNvSpPr>
-          <p:nvPr>
-            <p:ph idx="1"/>
-          </p:nvPr>
-        </p:nvSpPr>
-        <p:spPr/>
-        <p:txBody>
-          <a:bodyPr/>
-          <a:lstStyle/>
-          <a:p>
-            <a:endParaRPr lang="zh-CN" altLang="en-US" smtClean="0"/>
           </a:p>
         </p:txBody>
       </p:sp>
@@ -21787,6 +22153,13 @@
     <a:masterClrMapping/>
   </p:clrMapOvr>
   <p:transition/>
+  <p:timing>
+    <p:tnLst>
+      <p:par>
+        <p:cTn id="1" dur="indefinite" restart="never" nodeType="tmRoot"/>
+      </p:par>
+    </p:tnLst>
+  </p:timing>
 </p:sld>
 </file>
 
@@ -22030,6 +22403,13 @@
     <a:masterClrMapping/>
   </p:clrMapOvr>
   <p:transition/>
+  <p:timing>
+    <p:tnLst>
+      <p:par>
+        <p:cTn id="1" dur="indefinite" restart="never" nodeType="tmRoot"/>
+      </p:par>
+    </p:tnLst>
+  </p:timing>
 </p:sld>
 </file>
 
@@ -22296,11 +22676,7 @@
             <a:pPr lvl="1"/>
             <a:r>
               <a:rPr lang="zh-CN" altLang="en-US" sz="2200" b="1" dirty="0" smtClean="0"/>
-              <a:t>是否将某些约束条件作为形参来传递</a:t>
-            </a:r>
-            <a:r>
-              <a:rPr lang="zh-CN" altLang="en-US" sz="2200" b="1" dirty="0" smtClean="0"/>
-              <a:t>。</a:t>
+              <a:t>是否将某些约束条件作为形参来传递。</a:t>
             </a:r>
             <a:endParaRPr lang="en-US" altLang="zh-CN" sz="2200" b="1" dirty="0" smtClean="0"/>
           </a:p>
@@ -22331,6 +22707,13 @@
     <a:masterClrMapping/>
   </p:clrMapOvr>
   <p:transition/>
+  <p:timing>
+    <p:tnLst>
+      <p:par>
+        <p:cTn id="1" dur="indefinite" restart="never" nodeType="tmRoot"/>
+      </p:par>
+    </p:tnLst>
+  </p:timing>
 </p:sld>
 </file>
 
@@ -22563,11 +22946,7 @@
             </a:r>
             <a:r>
               <a:rPr lang="zh-CN" altLang="en-US" sz="3400" b="1" dirty="0" smtClean="0"/>
-              <a:t>输出域边界或其附近设计</a:t>
-            </a:r>
-            <a:r>
-              <a:rPr lang="zh-CN" altLang="en-US" sz="3400" b="1" dirty="0" smtClean="0"/>
-              <a:t>测试用例</a:t>
+              <a:t>输出域边界或其附近设计测试用例</a:t>
             </a:r>
             <a:endParaRPr lang="en-US" altLang="zh-CN" sz="3400" b="1" dirty="0" smtClean="0"/>
           </a:p>
@@ -22577,11 +22956,7 @@
             </a:pPr>
             <a:r>
               <a:rPr lang="zh-CN" altLang="en-US" sz="2200" b="1" dirty="0"/>
-              <a:t>可能</a:t>
-            </a:r>
-            <a:r>
-              <a:rPr lang="zh-CN" altLang="en-US" sz="2200" b="1" dirty="0"/>
-              <a:t>与边界有关的数据类型如数值、字符、位置、数量、尺寸等。</a:t>
+              <a:t>可能与边界有关的数据类型如数值、字符、位置、数量、尺寸等。</a:t>
             </a:r>
           </a:p>
           <a:p>
@@ -22687,6 +23062,13 @@
     <a:masterClrMapping/>
   </p:clrMapOvr>
   <p:transition/>
+  <p:timing>
+    <p:tnLst>
+      <p:par>
+        <p:cTn id="1" dur="indefinite" restart="never" nodeType="tmRoot"/>
+      </p:par>
+    </p:tnLst>
+  </p:timing>
 </p:sld>
 </file>
 

--- a/PPT/第三部分 软件测试应用/7 单元测试.pptx
+++ b/PPT/第三部分 软件测试应用/7 单元测试.pptx
@@ -68,7 +68,7 @@
     <p:sldId id="280" r:id="rId56"/>
     <p:sldId id="338" r:id="rId57"/>
     <p:sldId id="370" r:id="rId58"/>
-    <p:sldId id="339" r:id="rId59"/>
+    <p:sldId id="371" r:id="rId59"/>
     <p:sldId id="340" r:id="rId60"/>
     <p:sldId id="341" r:id="rId61"/>
     <p:sldId id="316" r:id="rId62"/>
@@ -6580,63 +6580,63 @@
           <a:p>
             <a:pPr eaLnBrk="1" hangingPunct="1"/>
             <a:r>
-              <a:rPr lang="zh-CN" altLang="en-US" sz="3400" b="1" smtClean="0"/>
+              <a:rPr lang="zh-CN" altLang="en-US" sz="3400" b="1" dirty="0" smtClean="0"/>
               <a:t>适用条件</a:t>
             </a:r>
-            <a:endParaRPr lang="en-US" altLang="zh-CN" sz="3400" b="1" smtClean="0"/>
+            <a:endParaRPr lang="en-US" altLang="zh-CN" sz="3400" b="1" dirty="0" smtClean="0"/>
           </a:p>
           <a:p>
             <a:pPr eaLnBrk="1" hangingPunct="1"/>
             <a:r>
-              <a:rPr lang="zh-CN" altLang="en-US" sz="3400" b="1" smtClean="0"/>
+              <a:rPr lang="zh-CN" altLang="en-US" sz="3400" b="1" dirty="0" smtClean="0"/>
               <a:t>若被测单元所调用模块较简单</a:t>
             </a:r>
-            <a:endParaRPr lang="en-US" altLang="zh-CN" sz="3400" b="1" smtClean="0"/>
+            <a:endParaRPr lang="en-US" altLang="zh-CN" sz="3400" b="1" dirty="0" smtClean="0"/>
           </a:p>
           <a:p>
             <a:pPr lvl="1" eaLnBrk="1" hangingPunct="1"/>
             <a:r>
-              <a:rPr lang="zh-CN" altLang="en-US" b="1" smtClean="0"/>
+              <a:rPr lang="zh-CN" altLang="en-US" b="1" dirty="0" smtClean="0"/>
               <a:t>代码段很短</a:t>
             </a:r>
-            <a:endParaRPr lang="en-US" altLang="zh-CN" b="1" smtClean="0"/>
+            <a:endParaRPr lang="en-US" altLang="zh-CN" b="1" dirty="0" smtClean="0"/>
           </a:p>
           <a:p>
             <a:pPr lvl="1" eaLnBrk="1" hangingPunct="1"/>
             <a:r>
-              <a:rPr lang="zh-CN" altLang="en-US" b="1" smtClean="0"/>
+              <a:rPr lang="zh-CN" altLang="en-US" b="1" dirty="0" smtClean="0"/>
               <a:t>代码结构简单</a:t>
             </a:r>
-            <a:endParaRPr lang="en-US" altLang="zh-CN" b="1" smtClean="0"/>
+            <a:endParaRPr lang="en-US" altLang="zh-CN" b="1" dirty="0" smtClean="0"/>
           </a:p>
           <a:p>
             <a:pPr lvl="1" eaLnBrk="1" hangingPunct="1"/>
             <a:r>
-              <a:rPr lang="zh-CN" altLang="en-US" b="1" smtClean="0"/>
+              <a:rPr lang="zh-CN" altLang="en-US" b="1" dirty="0" smtClean="0"/>
               <a:t>无复杂的循环和逻辑判断</a:t>
             </a:r>
-            <a:endParaRPr lang="en-US" altLang="zh-CN" b="1" smtClean="0"/>
+            <a:endParaRPr lang="en-US" altLang="zh-CN" b="1" dirty="0" smtClean="0"/>
           </a:p>
           <a:p>
             <a:pPr lvl="1" eaLnBrk="1" hangingPunct="1"/>
             <a:r>
-              <a:rPr lang="zh-CN" altLang="en-US" b="1" smtClean="0"/>
+              <a:rPr lang="zh-CN" altLang="en-US" b="1" dirty="0" smtClean="0"/>
               <a:t>不涉及复杂的动态内存分配和释放</a:t>
             </a:r>
-            <a:endParaRPr lang="en-US" altLang="zh-CN" b="1" smtClean="0"/>
+            <a:endParaRPr lang="en-US" altLang="zh-CN" b="1" dirty="0" smtClean="0"/>
           </a:p>
           <a:p>
             <a:pPr lvl="1" eaLnBrk="1" hangingPunct="1"/>
             <a:r>
-              <a:rPr lang="zh-CN" altLang="en-US" b="1" smtClean="0"/>
+              <a:rPr lang="zh-CN" altLang="en-US" b="1" dirty="0" smtClean="0"/>
               <a:t>无大量非结构化设计</a:t>
             </a:r>
-            <a:endParaRPr lang="en-US" altLang="zh-CN" b="1" smtClean="0"/>
+            <a:endParaRPr lang="en-US" altLang="zh-CN" b="1" dirty="0" smtClean="0"/>
           </a:p>
           <a:p>
             <a:pPr eaLnBrk="1" hangingPunct="1"/>
             <a:r>
-              <a:rPr lang="zh-CN" altLang="en-US" sz="3400" b="1" smtClean="0"/>
+              <a:rPr lang="zh-CN" altLang="en-US" sz="3400" b="1" dirty="0" smtClean="0"/>
               <a:t>不需要专门设计桩模块，直接与被测单元放在一起执行测试</a:t>
             </a:r>
           </a:p>
@@ -7152,52 +7152,68 @@
           <a:p>
             <a:pPr eaLnBrk="1" hangingPunct="1"/>
             <a:r>
-              <a:rPr lang="zh-CN" altLang="en-US" sz="3400" b="1" smtClean="0"/>
+              <a:rPr lang="zh-CN" altLang="en-US" sz="3400" b="1" dirty="0" smtClean="0"/>
               <a:t>一般设计原则</a:t>
             </a:r>
-            <a:endParaRPr lang="en-US" altLang="zh-CN" sz="3400" b="1" smtClean="0"/>
+            <a:endParaRPr lang="en-US" altLang="zh-CN" sz="3400" b="1" dirty="0" smtClean="0"/>
           </a:p>
           <a:p>
             <a:pPr lvl="1"/>
             <a:r>
-              <a:rPr lang="zh-CN" altLang="en-US" b="1" smtClean="0"/>
+              <a:rPr lang="zh-CN" altLang="en-US" b="1" dirty="0" smtClean="0"/>
               <a:t>应考虑到测试结论的有效性决定于单元测试环境下模拟目标环境</a:t>
             </a:r>
             <a:r>
-              <a:rPr lang="en-US" altLang="en-US" b="1" smtClean="0"/>
+              <a:rPr lang="en-US" altLang="en-US" b="1" dirty="0" smtClean="0"/>
               <a:t>(</a:t>
             </a:r>
             <a:r>
-              <a:rPr lang="zh-CN" altLang="en-US" b="1" smtClean="0"/>
+              <a:rPr lang="zh-CN" altLang="en-US" b="1" dirty="0" smtClean="0"/>
               <a:t>程序</a:t>
             </a:r>
             <a:r>
-              <a:rPr lang="en-US" altLang="en-US" b="1" smtClean="0"/>
+              <a:rPr lang="en-US" altLang="en-US" b="1" dirty="0" smtClean="0"/>
               <a:t>)</a:t>
             </a:r>
             <a:r>
-              <a:rPr lang="zh-CN" altLang="en-US" b="1" smtClean="0"/>
-              <a:t>执行的精确度，即应能考虑到测试用例执行所应满足的所有环境因素</a:t>
-            </a:r>
-            <a:r>
-              <a:rPr lang="en-US" altLang="en-US" b="1" smtClean="0"/>
+              <a:rPr lang="zh-CN" altLang="en-US" b="1" dirty="0" smtClean="0"/>
+              <a:t>执行的精确度，即应能考虑到</a:t>
+            </a:r>
+            <a:r>
+              <a:rPr lang="zh-CN" altLang="en-US" b="1" dirty="0" smtClean="0">
+                <a:solidFill>
+                  <a:srgbClr val="FF0000"/>
+                </a:solidFill>
+              </a:rPr>
+              <a:t>测试用例执行所应满足的所有环境因素</a:t>
+            </a:r>
+            <a:r>
+              <a:rPr lang="en-US" altLang="en-US" b="1" dirty="0" smtClean="0"/>
               <a:t>(</a:t>
             </a:r>
             <a:r>
-              <a:rPr lang="zh-CN" altLang="en-US" b="1" smtClean="0"/>
+              <a:rPr lang="zh-CN" altLang="en-US" b="1" dirty="0" smtClean="0"/>
               <a:t>前置条件、后置条件等</a:t>
             </a:r>
             <a:r>
-              <a:rPr lang="en-US" altLang="en-US" b="1" smtClean="0"/>
+              <a:rPr lang="en-US" altLang="en-US" b="1" dirty="0" smtClean="0"/>
               <a:t>)</a:t>
             </a:r>
-            <a:endParaRPr lang="zh-CN" altLang="en-US" b="1" smtClean="0"/>
+            <a:endParaRPr lang="zh-CN" altLang="en-US" b="1" dirty="0" smtClean="0"/>
           </a:p>
           <a:p>
             <a:pPr lvl="1"/>
             <a:r>
-              <a:rPr lang="zh-CN" altLang="en-US" b="1" smtClean="0"/>
-              <a:t>应充分考虑到测试过程的迭代性，使驱动模块和桩模块在回归测试中尽量能不经修改直接使用，提高重用性，进而提高回归测试效率</a:t>
+              <a:rPr lang="zh-CN" altLang="en-US" b="1" dirty="0" smtClean="0"/>
+              <a:t>应充分考虑到测试过程的迭代性，使驱动模块和桩模块在回归测试中</a:t>
+            </a:r>
+            <a:r>
+              <a:rPr lang="zh-CN" altLang="en-US" b="1" dirty="0" smtClean="0">
+                <a:solidFill>
+                  <a:srgbClr val="FF0000"/>
+                </a:solidFill>
+              </a:rPr>
+              <a:t>尽量能不经修改直接使用，提高重用性，进而提高回归测试效率</a:t>
             </a:r>
           </a:p>
         </p:txBody>
@@ -12374,56 +12390,68 @@
           <a:p>
             <a:pPr algn="just" eaLnBrk="1" hangingPunct="1"/>
             <a:r>
-              <a:rPr lang="zh-CN" altLang="en-US" sz="3400" b="1" smtClean="0"/>
+              <a:rPr lang="zh-CN" altLang="en-US" sz="3400" b="1" dirty="0" smtClean="0"/>
               <a:t>概述</a:t>
             </a:r>
-            <a:endParaRPr lang="en-US" altLang="zh-CN" sz="3400" b="1" smtClean="0"/>
+            <a:endParaRPr lang="en-US" altLang="zh-CN" sz="3400" b="1" dirty="0" smtClean="0"/>
           </a:p>
           <a:p>
             <a:pPr lvl="1"/>
             <a:r>
-              <a:rPr lang="en-US" altLang="en-US" b="1" smtClean="0"/>
+              <a:rPr lang="en-US" altLang="en-US" b="1" dirty="0" err="1" smtClean="0"/>
               <a:t>Jackei</a:t>
             </a:r>
             <a:r>
-              <a:rPr lang="zh-CN" altLang="en-US" b="1" smtClean="0"/>
+              <a:rPr lang="zh-CN" altLang="en-US" b="1" dirty="0" smtClean="0"/>
               <a:t>：测试需求就是测试范围</a:t>
             </a:r>
           </a:p>
           <a:p>
             <a:pPr lvl="1"/>
             <a:r>
-              <a:rPr lang="en-US" altLang="en-US" b="1" smtClean="0">
+              <a:rPr lang="en-US" altLang="en-US" b="1" dirty="0" smtClean="0">
                 <a:solidFill>
                   <a:srgbClr val="0000FF"/>
                 </a:solidFill>
               </a:rPr>
-              <a:t>Brian Marick</a:t>
-            </a:r>
-            <a:r>
-              <a:rPr lang="zh-CN" altLang="en-US" b="1" smtClean="0">
+              <a:t>Brian </a:t>
+            </a:r>
+            <a:r>
+              <a:rPr lang="en-US" altLang="en-US" b="1" dirty="0" err="1" smtClean="0">
                 <a:solidFill>
                   <a:srgbClr val="0000FF"/>
                 </a:solidFill>
               </a:rPr>
+              <a:t>Marick</a:t>
+            </a:r>
+            <a:r>
+              <a:rPr lang="zh-CN" altLang="en-US" b="1" dirty="0" smtClean="0">
+                <a:solidFill>
+                  <a:srgbClr val="0000FF"/>
+                </a:solidFill>
+              </a:rPr>
               <a:t>：测试需求就是指明测试什么的规格说明</a:t>
             </a:r>
           </a:p>
           <a:p>
             <a:pPr lvl="1"/>
             <a:r>
-              <a:rPr lang="en-US" altLang="en-US" b="1" smtClean="0"/>
-              <a:t>SAP ABAPer</a:t>
-            </a:r>
-            <a:r>
-              <a:rPr lang="zh-CN" altLang="en-US" b="1" smtClean="0"/>
+              <a:rPr lang="en-US" altLang="en-US" b="1" dirty="0" smtClean="0"/>
+              <a:t>SAP </a:t>
+            </a:r>
+            <a:r>
+              <a:rPr lang="en-US" altLang="en-US" b="1" dirty="0" err="1" smtClean="0"/>
+              <a:t>ABAPer</a:t>
+            </a:r>
+            <a:r>
+              <a:rPr lang="zh-CN" altLang="en-US" b="1" dirty="0" smtClean="0"/>
               <a:t>：测试需求就是测试设计</a:t>
             </a:r>
           </a:p>
           <a:p>
             <a:pPr lvl="1"/>
             <a:r>
-              <a:rPr lang="zh-CN" altLang="en-US" b="1" smtClean="0"/>
+              <a:rPr lang="zh-CN" altLang="en-US" b="1" dirty="0" smtClean="0"/>
               <a:t>其他人：测试需求是根据程序文件和质量目标对软件测试活动所提的要求</a:t>
             </a:r>
           </a:p>
@@ -12975,62 +13003,62 @@
           <a:p>
             <a:pPr algn="just" eaLnBrk="1" hangingPunct="1"/>
             <a:r>
-              <a:rPr lang="zh-CN" altLang="en-US" sz="3400" b="1" smtClean="0"/>
+              <a:rPr lang="zh-CN" altLang="en-US" sz="3400" b="1" dirty="0" smtClean="0"/>
               <a:t>测试需求的属性</a:t>
             </a:r>
-            <a:endParaRPr lang="en-US" altLang="zh-CN" sz="3400" b="1" smtClean="0"/>
+            <a:endParaRPr lang="en-US" altLang="zh-CN" sz="3400" b="1" dirty="0" smtClean="0"/>
           </a:p>
           <a:p>
             <a:pPr lvl="1" algn="just" eaLnBrk="1" hangingPunct="1"/>
             <a:r>
-              <a:rPr lang="en-US" altLang="en-US" b="1" smtClean="0"/>
+              <a:rPr lang="en-US" altLang="en-US" b="1" dirty="0" smtClean="0"/>
               <a:t>ID</a:t>
             </a:r>
           </a:p>
           <a:p>
             <a:pPr lvl="1" algn="just" eaLnBrk="1" hangingPunct="1"/>
             <a:r>
-              <a:rPr lang="zh-CN" altLang="en-US" b="1" smtClean="0"/>
+              <a:rPr lang="zh-CN" altLang="en-US" b="1" dirty="0" smtClean="0"/>
               <a:t>所属功能模块</a:t>
             </a:r>
-            <a:endParaRPr lang="en-US" altLang="zh-CN" b="1" smtClean="0"/>
+            <a:endParaRPr lang="en-US" altLang="zh-CN" b="1" dirty="0" smtClean="0"/>
           </a:p>
           <a:p>
             <a:pPr lvl="1" algn="just" eaLnBrk="1" hangingPunct="1"/>
             <a:r>
-              <a:rPr lang="zh-CN" altLang="en-US" b="1" smtClean="0"/>
+              <a:rPr lang="zh-CN" altLang="en-US" b="1" dirty="0" smtClean="0"/>
               <a:t>评审状态</a:t>
             </a:r>
-            <a:endParaRPr lang="en-US" altLang="zh-CN" b="1" smtClean="0"/>
+            <a:endParaRPr lang="en-US" altLang="zh-CN" b="1" dirty="0" smtClean="0"/>
           </a:p>
           <a:p>
             <a:pPr lvl="1" algn="just" eaLnBrk="1" hangingPunct="1"/>
             <a:r>
-              <a:rPr lang="zh-CN" altLang="en-US" b="1" smtClean="0"/>
+              <a:rPr lang="zh-CN" altLang="en-US" b="1" dirty="0" smtClean="0"/>
               <a:t>重要性</a:t>
             </a:r>
-            <a:endParaRPr lang="en-US" altLang="zh-CN" b="1" smtClean="0"/>
+            <a:endParaRPr lang="en-US" altLang="zh-CN" b="1" dirty="0" smtClean="0"/>
           </a:p>
           <a:p>
             <a:pPr lvl="1" algn="just" eaLnBrk="1" hangingPunct="1"/>
             <a:r>
-              <a:rPr lang="zh-CN" altLang="en-US" b="1" smtClean="0"/>
+              <a:rPr lang="zh-CN" altLang="en-US" b="1" dirty="0" smtClean="0"/>
               <a:t>稳定性</a:t>
             </a:r>
-            <a:endParaRPr lang="en-US" altLang="zh-CN" b="1" smtClean="0"/>
+            <a:endParaRPr lang="en-US" altLang="zh-CN" b="1" dirty="0" smtClean="0"/>
           </a:p>
           <a:p>
             <a:pPr lvl="1" algn="just" eaLnBrk="1" hangingPunct="1"/>
             <a:r>
-              <a:rPr lang="zh-CN" altLang="en-US" b="1" smtClean="0"/>
+              <a:rPr lang="zh-CN" altLang="en-US" b="1" dirty="0" smtClean="0"/>
               <a:t>工作量</a:t>
             </a:r>
-            <a:endParaRPr lang="en-US" altLang="zh-CN" b="1" smtClean="0"/>
+            <a:endParaRPr lang="en-US" altLang="zh-CN" b="1" dirty="0" smtClean="0"/>
           </a:p>
           <a:p>
             <a:pPr lvl="1" algn="just" eaLnBrk="1" hangingPunct="1"/>
             <a:r>
-              <a:rPr lang="zh-CN" altLang="en-US" b="1" smtClean="0"/>
+              <a:rPr lang="zh-CN" altLang="en-US" b="1" dirty="0" smtClean="0"/>
               <a:t>优先级</a:t>
             </a:r>
           </a:p>
@@ -14095,40 +14123,68 @@
           <a:p>
             <a:pPr algn="just" eaLnBrk="1" hangingPunct="1"/>
             <a:r>
-              <a:rPr lang="zh-CN" altLang="en-US" sz="3400" b="1" smtClean="0"/>
+              <a:rPr lang="zh-CN" altLang="en-US" sz="3400" b="1" dirty="0" smtClean="0"/>
               <a:t>认识的误区</a:t>
             </a:r>
-            <a:endParaRPr lang="en-US" altLang="zh-CN" sz="3400" b="1" smtClean="0"/>
+            <a:endParaRPr lang="en-US" altLang="zh-CN" sz="3400" b="1" dirty="0" smtClean="0"/>
           </a:p>
           <a:p>
             <a:pPr algn="just" eaLnBrk="1" hangingPunct="1"/>
             <a:r>
-              <a:rPr lang="zh-CN" altLang="en-US" sz="3400" b="1" smtClean="0"/>
+              <a:rPr lang="zh-CN" altLang="en-US" sz="3400" b="1" dirty="0" smtClean="0"/>
               <a:t>测试需求 </a:t>
             </a:r>
             <a:r>
-              <a:rPr lang="en-US" altLang="zh-CN" sz="3400" b="1" smtClean="0"/>
-              <a:t>vs </a:t>
-            </a:r>
-            <a:r>
-              <a:rPr lang="zh-CN" altLang="en-US" sz="3400" b="1" smtClean="0"/>
+              <a:rPr lang="en-US" altLang="zh-CN" sz="3400" b="1" dirty="0" err="1" smtClean="0"/>
+              <a:t>vs</a:t>
+            </a:r>
+            <a:r>
+              <a:rPr lang="en-US" altLang="zh-CN" sz="3400" b="1" dirty="0" smtClean="0"/>
+              <a:t> </a:t>
+            </a:r>
+            <a:r>
+              <a:rPr lang="zh-CN" altLang="en-US" sz="3400" b="1" dirty="0" smtClean="0"/>
               <a:t>可测试性需求</a:t>
             </a:r>
-            <a:endParaRPr lang="en-US" altLang="zh-CN" sz="3400" b="1" smtClean="0"/>
+            <a:endParaRPr lang="en-US" altLang="zh-CN" sz="3400" b="1" dirty="0" smtClean="0"/>
           </a:p>
           <a:p>
             <a:pPr lvl="1" algn="just" eaLnBrk="1" hangingPunct="1"/>
             <a:r>
-              <a:rPr lang="zh-CN" altLang="en-US" b="1" smtClean="0"/>
-              <a:t>测试需求：针对要实现的功能或性能，关键点在于它是一种测试分析活动的产物</a:t>
-            </a:r>
-            <a:endParaRPr lang="en-US" altLang="zh-CN" b="1" smtClean="0"/>
+              <a:rPr lang="zh-CN" altLang="en-US" b="1" dirty="0" smtClean="0"/>
+              <a:t>测试需求：针对要实现的功能或性能，关键点在于它是一种</a:t>
+            </a:r>
+            <a:r>
+              <a:rPr lang="zh-CN" altLang="en-US" b="1" dirty="0" smtClean="0">
+                <a:solidFill>
+                  <a:srgbClr val="FF0000"/>
+                </a:solidFill>
+              </a:rPr>
+              <a:t>测试分析活动的产物</a:t>
+            </a:r>
+            <a:endParaRPr lang="en-US" altLang="zh-CN" b="1" dirty="0" smtClean="0">
+              <a:solidFill>
+                <a:srgbClr val="FF0000"/>
+              </a:solidFill>
+            </a:endParaRPr>
           </a:p>
           <a:p>
             <a:pPr lvl="1" algn="just" eaLnBrk="1" hangingPunct="1"/>
             <a:r>
-              <a:rPr lang="zh-CN" altLang="en-US" b="1" smtClean="0"/>
-              <a:t>可测试性需求：需求分析时应注意需求的可测试性要求，关键点在于它是需求分析活动的产物。</a:t>
+              <a:rPr lang="zh-CN" altLang="en-US" b="1" dirty="0" smtClean="0"/>
+              <a:t>可测试性需求：需求分析时应注意需求的可测试性要求，关键点在于它是</a:t>
+            </a:r>
+            <a:r>
+              <a:rPr lang="zh-CN" altLang="en-US" b="1" dirty="0" smtClean="0">
+                <a:solidFill>
+                  <a:srgbClr val="FF0000"/>
+                </a:solidFill>
+              </a:rPr>
+              <a:t>需求分析活动的产物</a:t>
+            </a:r>
+            <a:r>
+              <a:rPr lang="zh-CN" altLang="en-US" b="1" dirty="0" smtClean="0"/>
+              <a:t>。</a:t>
             </a:r>
           </a:p>
         </p:txBody>
@@ -19698,23 +19754,23 @@
           <a:p>
             <a:pPr eaLnBrk="1" hangingPunct="1"/>
             <a:r>
-              <a:rPr lang="zh-CN" altLang="en-US" sz="3400" b="1" smtClean="0"/>
+              <a:rPr lang="zh-CN" altLang="en-US" sz="3400" b="1" dirty="0" smtClean="0"/>
               <a:t>评估阶段</a:t>
             </a:r>
-            <a:endParaRPr lang="en-US" altLang="zh-CN" sz="3400" b="1" smtClean="0"/>
+            <a:endParaRPr lang="en-US" altLang="zh-CN" sz="3400" b="1" dirty="0" smtClean="0"/>
           </a:p>
           <a:p>
             <a:pPr lvl="1" eaLnBrk="1" hangingPunct="1"/>
             <a:r>
-              <a:rPr lang="zh-CN" altLang="en-US" b="1" smtClean="0"/>
+              <a:rPr lang="zh-CN" altLang="en-US" b="1" dirty="0" smtClean="0"/>
               <a:t>主要任务：对测试完备性和代码覆盖率等指标进行评估，从而判断单元测试的质量如何，是否可以退出单元测试，进入后续环节的集成测试阶段</a:t>
             </a:r>
-            <a:endParaRPr lang="en-US" altLang="zh-CN" b="1" smtClean="0"/>
+            <a:endParaRPr lang="en-US" altLang="zh-CN" b="1" dirty="0" smtClean="0"/>
           </a:p>
           <a:p>
             <a:pPr lvl="1" eaLnBrk="1" hangingPunct="1"/>
             <a:r>
-              <a:rPr lang="zh-CN" altLang="en-US" b="1" smtClean="0"/>
+              <a:rPr lang="zh-CN" altLang="en-US" b="1" dirty="0" smtClean="0"/>
               <a:t>主要依据：单元测试用例、缺陷跟踪报告、缺陷检查表</a:t>
             </a:r>
           </a:p>
@@ -20505,15 +20561,7 @@
             </a:r>
             <a:r>
               <a:rPr lang="zh-CN" altLang="en-US" b="1" dirty="0" smtClean="0"/>
-              <a:t>）</a:t>
-            </a:r>
-            <a:r>
-              <a:rPr lang="zh-CN" altLang="en-US" b="1" dirty="0" smtClean="0"/>
-              <a:t>服务器</a:t>
-            </a:r>
-            <a:r>
-              <a:rPr lang="zh-CN" altLang="en-US" b="1" dirty="0" smtClean="0"/>
-              <a:t>下载导出完整最新源代码，并进行编译链接</a:t>
+              <a:t>）服务器下载导出完整最新源代码，并进行编译链接</a:t>
             </a:r>
           </a:p>
           <a:p>
@@ -20876,7 +20924,7 @@
       </p:grpSpPr>
       <p:sp>
         <p:nvSpPr>
-          <p:cNvPr id="61442" name="灯片编号占位符 5"/>
+          <p:cNvPr id="60418" name="灯片编号占位符 5"/>
           <p:cNvSpPr>
             <a:spLocks noGrp="1"/>
           </p:cNvSpPr>
@@ -21018,7 +21066,7 @@
           </a:lstStyle>
           <a:p>
             <a:pPr eaLnBrk="1" hangingPunct="1"/>
-            <a:fld id="{7F52C2FC-D5EB-4338-8840-92139B3070F7}" type="slidenum">
+            <a:fld id="{4FFF38E5-1817-4B0B-A553-36CBE296C98F}" type="slidenum">
               <a:rPr lang="en-US" altLang="zh-CN" smtClean="0"/>
               <a:pPr eaLnBrk="1" hangingPunct="1"/>
               <a:t>58</a:t>
@@ -21029,7 +21077,7 @@
       </p:sp>
       <p:sp>
         <p:nvSpPr>
-          <p:cNvPr id="61443" name="Rectangle 2"/>
+          <p:cNvPr id="60419" name="Rectangle 2"/>
           <p:cNvSpPr>
             <a:spLocks noGrp="1" noChangeArrowheads="1"/>
           </p:cNvSpPr>
@@ -21062,7 +21110,7 @@
       </p:sp>
       <p:sp>
         <p:nvSpPr>
-          <p:cNvPr id="61444" name="Rectangle 3"/>
+          <p:cNvPr id="60420" name="Rectangle 3"/>
           <p:cNvSpPr>
             <a:spLocks noGrp="1" noChangeArrowheads="1"/>
           </p:cNvSpPr>
@@ -21076,46 +21124,80 @@
           <a:lstStyle/>
           <a:p>
             <a:pPr eaLnBrk="1" hangingPunct="1"/>
-            <a:r>
-              <a:rPr lang="zh-CN" altLang="en-US" sz="3400" b="1" smtClean="0"/>
-              <a:t>日构建脚本的开发</a:t>
-            </a:r>
-            <a:endParaRPr lang="en-US" altLang="zh-CN" sz="3400" b="1" smtClean="0"/>
-          </a:p>
-          <a:p>
-            <a:pPr eaLnBrk="1" hangingPunct="1"/>
-            <a:r>
-              <a:rPr lang="zh-CN" altLang="en-US" sz="3400" b="1" smtClean="0"/>
-              <a:t>常用于编写构建脚本的语言包括</a:t>
-            </a:r>
-            <a:r>
-              <a:rPr lang="en-US" altLang="en-US" sz="3400" b="1" smtClean="0"/>
-              <a:t>TCL</a:t>
-            </a:r>
-            <a:r>
-              <a:rPr lang="zh-CN" altLang="en-US" sz="3400" b="1" smtClean="0"/>
-              <a:t>、</a:t>
-            </a:r>
-            <a:r>
-              <a:rPr lang="en-US" altLang="en-US" sz="3400" b="1" smtClean="0"/>
-              <a:t>Perl</a:t>
-            </a:r>
-            <a:r>
-              <a:rPr lang="zh-CN" altLang="en-US" sz="3400" b="1" smtClean="0"/>
-              <a:t>、</a:t>
-            </a:r>
-            <a:r>
-              <a:rPr lang="en-US" altLang="en-US" sz="3400" b="1" smtClean="0"/>
-              <a:t>Python</a:t>
-            </a:r>
-            <a:r>
-              <a:rPr lang="zh-CN" altLang="en-US" sz="3400" b="1" smtClean="0"/>
-              <a:t>等</a:t>
-            </a:r>
-          </a:p>
-        </p:txBody>
-      </p:sp>
+            <a:endParaRPr lang="zh-CN" altLang="en-US" b="1" dirty="0" smtClean="0"/>
+          </a:p>
+        </p:txBody>
+      </p:sp>
+      <p:pic>
+        <p:nvPicPr>
+          <p:cNvPr id="1026" name="Picture 2"/>
+          <p:cNvPicPr>
+            <a:picLocks noChangeAspect="1" noChangeArrowheads="1"/>
+          </p:cNvPicPr>
+          <p:nvPr/>
+        </p:nvPicPr>
+        <p:blipFill>
+          <a:blip r:embed="rId2">
+            <a:extLst>
+              <a:ext uri="{28A0092B-C50C-407E-A947-70E740481C1C}">
+                <a14:useLocalDpi xmlns:a14="http://schemas.microsoft.com/office/drawing/2010/main" val="0"/>
+              </a:ext>
+            </a:extLst>
+          </a:blip>
+          <a:srcRect/>
+          <a:stretch>
+            <a:fillRect/>
+          </a:stretch>
+        </p:blipFill>
+        <p:spPr bwMode="auto">
+          <a:xfrm>
+            <a:off x="683568" y="2060848"/>
+            <a:ext cx="7840558" cy="3744416"/>
+          </a:xfrm>
+          <a:prstGeom prst="rect">
+            <a:avLst/>
+          </a:prstGeom>
+          <a:noFill/>
+          <a:ln>
+            <a:noFill/>
+          </a:ln>
+          <a:effectLst/>
+          <a:extLst>
+            <a:ext uri="{909E8E84-426E-40DD-AFC4-6F175D3DCCD1}">
+              <a14:hiddenFill xmlns:a14="http://schemas.microsoft.com/office/drawing/2010/main">
+                <a:solidFill>
+                  <a:schemeClr val="accent1"/>
+                </a:solidFill>
+              </a14:hiddenFill>
+            </a:ext>
+            <a:ext uri="{91240B29-F687-4F45-9708-019B960494DF}">
+              <a14:hiddenLine xmlns:a14="http://schemas.microsoft.com/office/drawing/2010/main" w="9525">
+                <a:solidFill>
+                  <a:schemeClr val="tx1"/>
+                </a:solidFill>
+                <a:miter lim="800000"/>
+                <a:headEnd/>
+                <a:tailEnd/>
+              </a14:hiddenLine>
+            </a:ext>
+            <a:ext uri="{AF507438-7753-43E0-B8FC-AC1667EBCBE1}">
+              <a14:hiddenEffects xmlns:a14="http://schemas.microsoft.com/office/drawing/2010/main">
+                <a:effectLst>
+                  <a:outerShdw dist="35921" dir="2700000" algn="ctr" rotWithShape="0">
+                    <a:schemeClr val="bg2"/>
+                  </a:outerShdw>
+                </a:effectLst>
+              </a14:hiddenEffects>
+            </a:ext>
+          </a:extLst>
+        </p:spPr>
+      </p:pic>
     </p:spTree>
+    <p:extLst>
+      <p:ext uri="{BB962C8B-B14F-4D97-AF65-F5344CB8AC3E}">
+        <p14:creationId xmlns:p14="http://schemas.microsoft.com/office/powerpoint/2010/main" val="3264174523"/>
+      </p:ext>
+    </p:extLst>
   </p:cSld>
   <p:clrMapOvr>
     <a:masterClrMapping/>

--- a/PPT/第三部分 软件测试应用/7 单元测试.pptx
+++ b/PPT/第三部分 软件测试应用/7 单元测试.pptx
@@ -12084,21 +12084,21 @@
           <a:p>
             <a:pPr eaLnBrk="1" hangingPunct="1"/>
             <a:r>
-              <a:rPr lang="zh-CN" altLang="en-US" b="1" smtClean="0">
+              <a:rPr lang="zh-CN" altLang="en-US" b="1" dirty="0" smtClean="0">
                 <a:latin typeface="黑体" pitchFamily="2" charset="-122"/>
                 <a:ea typeface="黑体" pitchFamily="2" charset="-122"/>
               </a:rPr>
               <a:t>第</a:t>
             </a:r>
             <a:r>
-              <a:rPr lang="en-US" altLang="zh-CN" b="1" smtClean="0">
+              <a:rPr lang="en-US" altLang="zh-CN" b="1" dirty="0" smtClean="0">
                 <a:latin typeface="黑体" pitchFamily="2" charset="-122"/>
                 <a:ea typeface="黑体" pitchFamily="2" charset="-122"/>
               </a:rPr>
               <a:t>7</a:t>
             </a:r>
             <a:r>
-              <a:rPr lang="zh-CN" altLang="en-US" b="1" smtClean="0">
+              <a:rPr lang="zh-CN" altLang="en-US" b="1" dirty="0" smtClean="0">
                 <a:latin typeface="黑体" pitchFamily="2" charset="-122"/>
                 <a:ea typeface="黑体" pitchFamily="2" charset="-122"/>
               </a:rPr>
@@ -18931,33 +18931,37 @@
             <a:pPr eaLnBrk="1" hangingPunct="1"/>
             <a:r>
               <a:rPr lang="zh-CN" altLang="en-US" sz="3400" b="1" smtClean="0"/>
-              <a:t>实施阶段</a:t>
-            </a:r>
-            <a:endParaRPr lang="en-US" altLang="zh-CN" sz="3400" b="1" smtClean="0"/>
+              <a:t>实施</a:t>
+            </a:r>
+            <a:r>
+              <a:rPr lang="zh-CN" altLang="en-US" sz="3400" b="1" smtClean="0"/>
+              <a:t>阶段（主要是自动化测试）</a:t>
+            </a:r>
+            <a:endParaRPr lang="en-US" altLang="zh-CN" sz="3400" b="1" dirty="0" smtClean="0"/>
           </a:p>
           <a:p>
             <a:pPr lvl="1" eaLnBrk="1" hangingPunct="1"/>
             <a:r>
-              <a:rPr lang="zh-CN" altLang="en-US" b="1" smtClean="0"/>
+              <a:rPr lang="zh-CN" altLang="en-US" b="1" dirty="0" smtClean="0"/>
               <a:t>主要任务：对照测试用例，开发测试驱动模块和桩模块</a:t>
             </a:r>
-            <a:endParaRPr lang="en-US" altLang="zh-CN" b="1" smtClean="0"/>
+            <a:endParaRPr lang="en-US" altLang="zh-CN" b="1" dirty="0" smtClean="0"/>
           </a:p>
           <a:p>
             <a:pPr lvl="1" eaLnBrk="1" hangingPunct="1"/>
             <a:r>
-              <a:rPr lang="zh-CN" altLang="en-US" b="1" smtClean="0"/>
+              <a:rPr lang="zh-CN" altLang="en-US" b="1" dirty="0" smtClean="0"/>
               <a:t>主要依据：单元测试设计说明书，根据测试用例的输入和预期输出要求编写驱动和桩模块来驱动测试用例的执行</a:t>
             </a:r>
-            <a:endParaRPr lang="en-US" altLang="zh-CN" b="1" smtClean="0"/>
+            <a:endParaRPr lang="en-US" altLang="zh-CN" b="1" dirty="0" smtClean="0"/>
           </a:p>
           <a:p>
             <a:pPr lvl="1" eaLnBrk="1" hangingPunct="1"/>
             <a:r>
-              <a:rPr lang="zh-CN" altLang="en-US" b="1" smtClean="0"/>
+              <a:rPr lang="zh-CN" altLang="en-US" b="1" dirty="0" smtClean="0"/>
               <a:t>交付物：单元测试程序</a:t>
             </a:r>
-            <a:endParaRPr lang="en-US" altLang="zh-CN" b="1" smtClean="0"/>
+            <a:endParaRPr lang="en-US" altLang="zh-CN" b="1" dirty="0" smtClean="0"/>
           </a:p>
         </p:txBody>
       </p:sp>

--- a/PPT/第三部分 软件测试应用/7 单元测试.pptx
+++ b/PPT/第三部分 软件测试应用/7 单元测试.pptx
@@ -6018,31 +6018,31 @@
           <a:p>
             <a:pPr eaLnBrk="1" hangingPunct="1"/>
             <a:r>
-              <a:rPr lang="zh-CN" altLang="en-US" sz="3400" b="1" smtClean="0"/>
+              <a:rPr lang="zh-CN" altLang="en-US" sz="3400" b="1" dirty="0" smtClean="0"/>
               <a:t>驱动模块</a:t>
             </a:r>
             <a:r>
-              <a:rPr lang="en-US" altLang="en-US" sz="3400" b="1" smtClean="0"/>
+              <a:rPr lang="en-US" altLang="en-US" sz="3400" b="1" dirty="0" smtClean="0"/>
               <a:t>(Driver)</a:t>
             </a:r>
             <a:r>
-              <a:rPr lang="zh-CN" altLang="en-US" sz="3400" b="1" smtClean="0"/>
+              <a:rPr lang="zh-CN" altLang="en-US" sz="3400" b="1" dirty="0" smtClean="0"/>
               <a:t>是模拟被测单元的上级模块，用于接收测试数据、启动被测模块和输出结果</a:t>
             </a:r>
-            <a:endParaRPr lang="en-US" altLang="zh-CN" sz="3400" b="1" smtClean="0"/>
+            <a:endParaRPr lang="en-US" altLang="zh-CN" sz="3400" b="1" dirty="0" smtClean="0"/>
           </a:p>
           <a:p>
             <a:pPr eaLnBrk="1" hangingPunct="1"/>
             <a:r>
-              <a:rPr lang="zh-CN" altLang="en-US" sz="3400" b="1" smtClean="0"/>
+              <a:rPr lang="zh-CN" altLang="en-US" sz="3400" b="1" dirty="0" smtClean="0"/>
               <a:t>桩模块</a:t>
             </a:r>
             <a:r>
-              <a:rPr lang="en-US" altLang="en-US" sz="3400" b="1" smtClean="0"/>
+              <a:rPr lang="en-US" altLang="en-US" sz="3400" b="1" dirty="0" smtClean="0"/>
               <a:t>(Stub)</a:t>
             </a:r>
             <a:r>
-              <a:rPr lang="zh-CN" altLang="en-US" sz="3400" b="1" smtClean="0"/>
+              <a:rPr lang="zh-CN" altLang="en-US" sz="3400" b="1" dirty="0" smtClean="0"/>
               <a:t>是模拟被测单元所调用的模块。有时，需要使用子模块的接口，才能做少量数据操作，并验证和打印入口处的信息，然后返回。桩模块不包含原模块的所有细节</a:t>
             </a:r>
           </a:p>
@@ -7994,39 +7994,47 @@
           <a:p>
             <a:pPr eaLnBrk="1" hangingPunct="1"/>
             <a:r>
-              <a:rPr lang="zh-CN" altLang="en-US" sz="3400" b="1" smtClean="0"/>
+              <a:rPr lang="zh-CN" altLang="en-US" sz="3400" b="1" dirty="0" smtClean="0"/>
               <a:t>驱动模块功能要求</a:t>
             </a:r>
-            <a:endParaRPr lang="en-US" altLang="zh-CN" sz="3400" b="1" smtClean="0"/>
+            <a:endParaRPr lang="en-US" altLang="zh-CN" sz="3400" b="1" dirty="0" smtClean="0"/>
           </a:p>
           <a:p>
             <a:pPr lvl="1" eaLnBrk="1" hangingPunct="1"/>
             <a:r>
+              <a:rPr lang="zh-CN" altLang="en-US" b="1" dirty="0" smtClean="0"/>
+              <a:t>利用已有的测试用例，接收测试的输入数据</a:t>
+            </a:r>
+            <a:endParaRPr lang="en-US" altLang="zh-CN" b="1" dirty="0" smtClean="0"/>
+          </a:p>
+          <a:p>
+            <a:pPr lvl="1" eaLnBrk="1" hangingPunct="1"/>
+            <a:r>
+              <a:rPr lang="zh-CN" altLang="en-US" b="1" dirty="0" smtClean="0"/>
+              <a:t>将测试数据传递给被测单元</a:t>
+            </a:r>
+            <a:endParaRPr lang="en-US" altLang="zh-CN" b="1" dirty="0" smtClean="0"/>
+          </a:p>
+          <a:p>
+            <a:pPr lvl="1" eaLnBrk="1" hangingPunct="1"/>
+            <a:r>
+              <a:rPr lang="zh-CN" altLang="en-US" b="1" dirty="0" smtClean="0"/>
+              <a:t>打印和输出测试用例的相关结果，判断测试是通过</a:t>
+            </a:r>
+            <a:r>
               <a:rPr lang="zh-CN" altLang="en-US" b="1" smtClean="0"/>
-              <a:t>利用已有的测试用例，接收测试的输入数据</a:t>
-            </a:r>
-            <a:endParaRPr lang="en-US" altLang="zh-CN" b="1" smtClean="0"/>
+              <a:t>还是</a:t>
+            </a:r>
+            <a:r>
+              <a:rPr lang="zh-CN" altLang="en-US" b="1" smtClean="0"/>
+              <a:t>失败（断言）</a:t>
+            </a:r>
+            <a:endParaRPr lang="en-US" altLang="zh-CN" b="1" dirty="0" smtClean="0"/>
           </a:p>
           <a:p>
             <a:pPr lvl="1" eaLnBrk="1" hangingPunct="1"/>
             <a:r>
-              <a:rPr lang="zh-CN" altLang="en-US" b="1" smtClean="0"/>
-              <a:t>将测试数据传递给被测单元</a:t>
-            </a:r>
-            <a:endParaRPr lang="en-US" altLang="zh-CN" b="1" smtClean="0"/>
-          </a:p>
-          <a:p>
-            <a:pPr lvl="1" eaLnBrk="1" hangingPunct="1"/>
-            <a:r>
-              <a:rPr lang="zh-CN" altLang="en-US" b="1" smtClean="0"/>
-              <a:t>打印和输出测试用例的相关结果，判断测试是通过还是失败</a:t>
-            </a:r>
-            <a:endParaRPr lang="en-US" altLang="zh-CN" b="1" smtClean="0"/>
-          </a:p>
-          <a:p>
-            <a:pPr lvl="1" eaLnBrk="1" hangingPunct="1"/>
-            <a:r>
-              <a:rPr lang="zh-CN" altLang="en-US" b="1" smtClean="0"/>
+              <a:rPr lang="zh-CN" altLang="en-US" b="1" dirty="0" smtClean="0"/>
               <a:t>通过测试日志文件记录测试过程，便于后续数据保存和分析</a:t>
             </a:r>
           </a:p>
@@ -18931,11 +18939,7 @@
             <a:pPr eaLnBrk="1" hangingPunct="1"/>
             <a:r>
               <a:rPr lang="zh-CN" altLang="en-US" sz="3400" b="1" smtClean="0"/>
-              <a:t>实施</a:t>
-            </a:r>
-            <a:r>
-              <a:rPr lang="zh-CN" altLang="en-US" sz="3400" b="1" smtClean="0"/>
-              <a:t>阶段（主要是自动化测试）</a:t>
+              <a:t>实施阶段（主要是自动化测试）</a:t>
             </a:r>
             <a:endParaRPr lang="en-US" altLang="zh-CN" sz="3400" b="1" dirty="0" smtClean="0"/>
           </a:p>
